--- a/web/jsp/게시판 만들기.pptx
+++ b/web/jsp/게시판 만들기.pptx
@@ -158,6 +158,11 @@
       </a:defRPr>
     </a:lvl9pPr>
   </p:defaultTextStyle>
+  <p:extLst>
+    <p:ext uri="{EFAFB233-063F-42B5-8137-9DF3F51BA10A}">
+      <p15:sldGuideLst xmlns:p15="http://schemas.microsoft.com/office/powerpoint/2012/main"/>
+    </p:ext>
+  </p:extLst>
 </p:presentation>
 </file>
 
@@ -4080,12 +4085,16 @@
               <a:t>패키지는 </a:t>
             </a:r>
             <a:r>
-              <a:rPr lang="en" altLang="ko-KR" dirty="0" err="1"/>
-              <a:t>controller.board</a:t>
+              <a:rPr lang="en" altLang="ko-KR"/>
+              <a:t>controller</a:t>
+            </a:r>
+            <a:r>
+              <a:rPr lang="ko-KR" altLang="en-US"/>
+              <a:t>로 </a:t>
             </a:r>
             <a:r>
               <a:rPr lang="ko-KR" altLang="en-US" dirty="0"/>
-              <a:t>로 하도록 하겠다</a:t>
+              <a:t>하도록 하겠다</a:t>
             </a:r>
             <a:r>
               <a:rPr lang="en-US" altLang="ko-KR" dirty="0"/>
@@ -4102,15 +4111,7 @@
             </a:r>
             <a:r>
               <a:rPr lang="en" altLang="ko-KR" dirty="0"/>
-              <a:t> </a:t>
-            </a:r>
-            <a:r>
-              <a:rPr lang="en" altLang="ko-KR" dirty="0" err="1"/>
-              <a:t>controller.board</a:t>
-            </a:r>
-            <a:r>
-              <a:rPr lang="en" altLang="ko-KR" dirty="0"/>
-              <a:t>;</a:t>
+              <a:t> controller;</a:t>
             </a:r>
           </a:p>
           <a:p>
